--- a/Tasks/99_課題/04_1120/ACSYSTEM_Tips4.pptx
+++ b/Tasks/99_課題/04_1120/ACSYSTEM_Tips4.pptx
@@ -104,6 +104,11 @@
       </a:defRPr>
     </a:lvl9pPr>
   </p:defaultTextStyle>
+  <p:extLst>
+    <p:ext uri="{EFAFB233-063F-42B5-8137-9DF3F51BA10A}">
+      <p15:sldGuideLst xmlns:p15="http://schemas.microsoft.com/office/powerpoint/2012/main"/>
+    </p:ext>
+  </p:extLst>
 </p:presentation>
 </file>
 
@@ -333,7 +338,7 @@
           <a:p>
             <a:fld id="{92C04A58-32E5-473D-8D3A-149A517EFC94}" type="datetimeFigureOut">
               <a:rPr kumimoji="1" lang="ja-JP" altLang="en-US" smtClean="0"/>
-              <a:t>2023/11/20</a:t>
+              <a:t>2023/11/27</a:t>
             </a:fld>
             <a:endParaRPr kumimoji="1" lang="ja-JP" altLang="en-US"/>
           </a:p>
@@ -573,7 +578,7 @@
           <a:p>
             <a:fld id="{92C04A58-32E5-473D-8D3A-149A517EFC94}" type="datetimeFigureOut">
               <a:rPr kumimoji="1" lang="ja-JP" altLang="en-US" smtClean="0"/>
-              <a:t>2023/11/20</a:t>
+              <a:t>2023/11/27</a:t>
             </a:fld>
             <a:endParaRPr kumimoji="1" lang="ja-JP" altLang="en-US"/>
           </a:p>
@@ -861,7 +866,7 @@
           <a:p>
             <a:fld id="{92C04A58-32E5-473D-8D3A-149A517EFC94}" type="datetimeFigureOut">
               <a:rPr kumimoji="1" lang="ja-JP" altLang="en-US" smtClean="0"/>
-              <a:t>2023/11/20</a:t>
+              <a:t>2023/11/27</a:t>
             </a:fld>
             <a:endParaRPr kumimoji="1" lang="ja-JP" altLang="en-US"/>
           </a:p>
@@ -1067,7 +1072,7 @@
           <a:p>
             <a:fld id="{92C04A58-32E5-473D-8D3A-149A517EFC94}" type="datetimeFigureOut">
               <a:rPr kumimoji="1" lang="ja-JP" altLang="en-US" smtClean="0"/>
-              <a:t>2023/11/20</a:t>
+              <a:t>2023/11/27</a:t>
             </a:fld>
             <a:endParaRPr kumimoji="1" lang="ja-JP" altLang="en-US"/>
           </a:p>
@@ -1410,7 +1415,7 @@
           <a:p>
             <a:fld id="{92C04A58-32E5-473D-8D3A-149A517EFC94}" type="datetimeFigureOut">
               <a:rPr kumimoji="1" lang="ja-JP" altLang="en-US" smtClean="0"/>
-              <a:t>2023/11/20</a:t>
+              <a:t>2023/11/27</a:t>
             </a:fld>
             <a:endParaRPr kumimoji="1" lang="ja-JP" altLang="en-US"/>
           </a:p>
@@ -1749,7 +1754,7 @@
           <a:p>
             <a:fld id="{92C04A58-32E5-473D-8D3A-149A517EFC94}" type="datetimeFigureOut">
               <a:rPr kumimoji="1" lang="ja-JP" altLang="en-US" smtClean="0"/>
-              <a:t>2023/11/20</a:t>
+              <a:t>2023/11/27</a:t>
             </a:fld>
             <a:endParaRPr kumimoji="1" lang="ja-JP" altLang="en-US"/>
           </a:p>
@@ -2192,7 +2197,7 @@
           <a:p>
             <a:fld id="{92C04A58-32E5-473D-8D3A-149A517EFC94}" type="datetimeFigureOut">
               <a:rPr kumimoji="1" lang="ja-JP" altLang="en-US" smtClean="0"/>
-              <a:t>2023/11/20</a:t>
+              <a:t>2023/11/27</a:t>
             </a:fld>
             <a:endParaRPr kumimoji="1" lang="ja-JP" altLang="en-US"/>
           </a:p>
@@ -2310,7 +2315,7 @@
           <a:p>
             <a:fld id="{92C04A58-32E5-473D-8D3A-149A517EFC94}" type="datetimeFigureOut">
               <a:rPr kumimoji="1" lang="ja-JP" altLang="en-US" smtClean="0"/>
-              <a:t>2023/11/20</a:t>
+              <a:t>2023/11/27</a:t>
             </a:fld>
             <a:endParaRPr kumimoji="1" lang="ja-JP" altLang="en-US"/>
           </a:p>
@@ -2481,7 +2486,7 @@
           <a:p>
             <a:fld id="{92C04A58-32E5-473D-8D3A-149A517EFC94}" type="datetimeFigureOut">
               <a:rPr kumimoji="1" lang="ja-JP" altLang="en-US" smtClean="0"/>
-              <a:t>2023/11/20</a:t>
+              <a:t>2023/11/27</a:t>
             </a:fld>
             <a:endParaRPr kumimoji="1" lang="ja-JP" altLang="en-US"/>
           </a:p>
@@ -2867,7 +2872,7 @@
           <a:p>
             <a:fld id="{92C04A58-32E5-473D-8D3A-149A517EFC94}" type="datetimeFigureOut">
               <a:rPr kumimoji="1" lang="ja-JP" altLang="en-US" smtClean="0"/>
-              <a:t>2023/11/20</a:t>
+              <a:t>2023/11/27</a:t>
             </a:fld>
             <a:endParaRPr kumimoji="1" lang="ja-JP" altLang="en-US"/>
           </a:p>
@@ -3249,7 +3254,7 @@
           <a:p>
             <a:fld id="{92C04A58-32E5-473D-8D3A-149A517EFC94}" type="datetimeFigureOut">
               <a:rPr kumimoji="1" lang="ja-JP" altLang="en-US" smtClean="0"/>
-              <a:t>2023/11/20</a:t>
+              <a:t>2023/11/27</a:t>
             </a:fld>
             <a:endParaRPr kumimoji="1" lang="ja-JP" altLang="en-US"/>
           </a:p>
@@ -3568,7 +3573,7 @@
           <a:p>
             <a:fld id="{92C04A58-32E5-473D-8D3A-149A517EFC94}" type="datetimeFigureOut">
               <a:rPr kumimoji="1" lang="ja-JP" altLang="en-US" smtClean="0"/>
-              <a:t>2023/11/20</a:t>
+              <a:t>2023/11/27</a:t>
             </a:fld>
             <a:endParaRPr kumimoji="1" lang="ja-JP" altLang="en-US"/>
           </a:p>
@@ -4182,25 +4187,10 @@
           <a:p>
             <a:pPr algn="ctr"/>
             <a:r>
-              <a:rPr kumimoji="1" lang="en-US" altLang="ja-JP" dirty="0"/>
-              <a:t>Java</a:t>
-            </a:r>
-            <a:r>
-              <a:rPr kumimoji="1" lang="ja-JP" altLang="en-US" dirty="0"/>
-              <a:t> </a:t>
-            </a:r>
-            <a:r>
-              <a:rPr kumimoji="1" lang="en-US" altLang="ja-JP" dirty="0"/>
-              <a:t>–</a:t>
-            </a:r>
-            <a:r>
-              <a:rPr kumimoji="1" lang="ja-JP" altLang="en-US" dirty="0"/>
-              <a:t> </a:t>
-            </a:r>
-            <a:r>
-              <a:rPr kumimoji="1" lang="en-US" altLang="ja-JP" dirty="0"/>
+              <a:rPr kumimoji="1" lang="en-US" altLang="ja-JP"/>
               <a:t>Generics</a:t>
             </a:r>
+            <a:endParaRPr kumimoji="1" lang="en-US" altLang="ja-JP" dirty="0"/>
           </a:p>
           <a:p>
             <a:endParaRPr lang="en-US" altLang="ja-JP" dirty="0"/>
